--- a/microservice.pptx
+++ b/microservice.pptx
@@ -6,22 +6,23 @@
     <p:sldMasterId id="2147483655" r:id="rId2"/>
   </p:sldMasterIdLst>
   <p:notesMasterIdLst>
-    <p:notesMasterId r:id="rId13"/>
+    <p:notesMasterId r:id="rId14"/>
   </p:notesMasterIdLst>
   <p:handoutMasterIdLst>
-    <p:handoutMasterId r:id="rId14"/>
+    <p:handoutMasterId r:id="rId15"/>
   </p:handoutMasterIdLst>
   <p:sldIdLst>
     <p:sldId id="304" r:id="rId3"/>
     <p:sldId id="309" r:id="rId4"/>
-    <p:sldId id="305" r:id="rId5"/>
-    <p:sldId id="306" r:id="rId6"/>
-    <p:sldId id="307" r:id="rId7"/>
-    <p:sldId id="308" r:id="rId8"/>
-    <p:sldId id="310" r:id="rId9"/>
-    <p:sldId id="311" r:id="rId10"/>
-    <p:sldId id="312" r:id="rId11"/>
-    <p:sldId id="313" r:id="rId12"/>
+    <p:sldId id="314" r:id="rId5"/>
+    <p:sldId id="305" r:id="rId6"/>
+    <p:sldId id="306" r:id="rId7"/>
+    <p:sldId id="307" r:id="rId8"/>
+    <p:sldId id="308" r:id="rId9"/>
+    <p:sldId id="310" r:id="rId10"/>
+    <p:sldId id="311" r:id="rId11"/>
+    <p:sldId id="312" r:id="rId12"/>
+    <p:sldId id="313" r:id="rId13"/>
   </p:sldIdLst>
   <p:sldSz cx="9144000" cy="6858000" type="screen4x3"/>
   <p:notesSz cx="6858000" cy="9144000"/>
@@ -127,6 +128,7 @@
           <p14:sldIdLst>
             <p14:sldId id="304"/>
             <p14:sldId id="309"/>
+            <p14:sldId id="314"/>
             <p14:sldId id="305"/>
             <p14:sldId id="306"/>
             <p14:sldId id="307"/>
@@ -140,7 +142,7 @@
       </p14:sectionLst>
     </p:ext>
     <p:ext uri="{EFAFB233-063F-42B5-8137-9DF3F51BA10A}">
-      <p15:sldGuideLst xmlns:p15="http://schemas.microsoft.com/office/powerpoint/2012/main">
+      <p15:sldGuideLst xmlns:p15="http://schemas.microsoft.com/office/powerpoint/2012/main" xmlns="">
         <p15:guide id="1" orient="horz" pos="2136" userDrawn="1">
           <p15:clr>
             <a:srgbClr val="A4A3A4"/>
@@ -154,7 +156,7 @@
       </p15:sldGuideLst>
     </p:ext>
     <p:ext uri="{2D200454-40CA-4A62-9FC3-DE9A4176ACB9}">
-      <p15:notesGuideLst xmlns:p15="http://schemas.microsoft.com/office/powerpoint/2012/main"/>
+      <p15:notesGuideLst xmlns:p15="http://schemas.microsoft.com/office/powerpoint/2012/main" xmlns=""/>
     </p:ext>
   </p:extLst>
 </p:presentation>
@@ -242,7 +244,7 @@
           <a:p>
             <a:fld id="{D320DF98-73A7-40A6-8A84-2EB5B4F2C4CC}" type="datetimeFigureOut">
               <a:rPr lang="hu-HU" smtClean="0"/>
-              <a:t>2016. 05. 13.</a:t>
+              <a:t>2016.05.16.</a:t>
             </a:fld>
             <a:endParaRPr lang="hu-HU"/>
           </a:p>
@@ -408,7 +410,7 @@
             <a:fld id="{B9130191-0BE1-0142-AFC1-0297AE024A0E}" type="datetimeFigureOut">
               <a:rPr lang="en-US" smtClean="0"/>
               <a:pPr/>
-              <a:t>5/13/2016</a:t>
+              <a:t>5/16/2016</a:t>
             </a:fld>
             <a:endParaRPr lang="en-US"/>
           </a:p>
@@ -764,6 +766,91 @@
 </p:notes>
 </file>
 
+<file path=ppt/notesSlides/notesSlide2.xml><?xml version="1.0" encoding="utf-8"?>
+<p:notes xmlns:a="http://schemas.openxmlformats.org/drawingml/2006/main" xmlns:r="http://schemas.openxmlformats.org/officeDocument/2006/relationships" xmlns:p="http://schemas.openxmlformats.org/presentationml/2006/main">
+  <p:cSld>
+    <p:spTree>
+      <p:nvGrpSpPr>
+        <p:cNvPr id="1" name=""/>
+        <p:cNvGrpSpPr/>
+        <p:nvPr/>
+      </p:nvGrpSpPr>
+      <p:grpSpPr>
+        <a:xfrm>
+          <a:off x="0" y="0"/>
+          <a:ext cx="0" cy="0"/>
+          <a:chOff x="0" y="0"/>
+          <a:chExt cx="0" cy="0"/>
+        </a:xfrm>
+      </p:grpSpPr>
+      <p:sp>
+        <p:nvSpPr>
+          <p:cNvPr id="2" name="Slide Image Placeholder 1"/>
+          <p:cNvSpPr>
+            <a:spLocks noGrp="1" noRot="1" noChangeAspect="1"/>
+          </p:cNvSpPr>
+          <p:nvPr>
+            <p:ph type="sldImg"/>
+          </p:nvPr>
+        </p:nvSpPr>
+        <p:spPr/>
+      </p:sp>
+      <p:sp>
+        <p:nvSpPr>
+          <p:cNvPr id="3" name="Notes Placeholder 2"/>
+          <p:cNvSpPr>
+            <a:spLocks noGrp="1"/>
+          </p:cNvSpPr>
+          <p:nvPr>
+            <p:ph type="body" idx="1"/>
+          </p:nvPr>
+        </p:nvSpPr>
+        <p:spPr/>
+        <p:txBody>
+          <a:bodyPr/>
+          <a:lstStyle/>
+          <a:p>
+            <a:endParaRPr lang="sv-SE"/>
+          </a:p>
+        </p:txBody>
+      </p:sp>
+      <p:sp>
+        <p:nvSpPr>
+          <p:cNvPr id="4" name="Slide Number Placeholder 3"/>
+          <p:cNvSpPr>
+            <a:spLocks noGrp="1"/>
+          </p:cNvSpPr>
+          <p:nvPr>
+            <p:ph type="sldNum" sz="quarter" idx="10"/>
+          </p:nvPr>
+        </p:nvSpPr>
+        <p:spPr/>
+        <p:txBody>
+          <a:bodyPr/>
+          <a:lstStyle/>
+          <a:p>
+            <a:fld id="{A70A3C59-3253-3B42-8BE0-F6D0BA6B0441}" type="slidenum">
+              <a:rPr lang="en-US" smtClean="0"/>
+              <a:pPr/>
+              <a:t>2</a:t>
+            </a:fld>
+            <a:endParaRPr lang="en-US"/>
+          </a:p>
+        </p:txBody>
+      </p:sp>
+    </p:spTree>
+    <p:extLst>
+      <p:ext uri="{BB962C8B-B14F-4D97-AF65-F5344CB8AC3E}">
+        <p14:creationId xmlns:p14="http://schemas.microsoft.com/office/powerpoint/2010/main" val="1570524933"/>
+      </p:ext>
+    </p:extLst>
+  </p:cSld>
+  <p:clrMapOvr>
+    <a:masterClrMapping/>
+  </p:clrMapOvr>
+</p:notes>
+</file>
+
 <file path=ppt/slideLayouts/slideLayout1.xml><?xml version="1.0" encoding="utf-8"?>
 <p:sldLayout xmlns:a="http://schemas.openxmlformats.org/drawingml/2006/main" xmlns:r="http://schemas.openxmlformats.org/officeDocument/2006/relationships" xmlns:p="http://schemas.openxmlformats.org/presentationml/2006/main" type="title" preserve="1">
   <p:cSld name="Címdia (angol)">
@@ -877,6 +964,16 @@
                 <a:cs typeface="+mn-cs"/>
               </a:rPr>
               <a:t>Budapest University of Technology and Economics</a:t>
+            </a:r>
+            <a:r>
+              <a:rPr lang="hu-HU" sz="1000" b="1" dirty="0">
+                <a:solidFill>
+                  <a:schemeClr val="bg1"/>
+                </a:solidFill>
+                <a:latin typeface="+mn-lt"/>
+                <a:cs typeface="+mn-cs"/>
+              </a:rPr>
+              <a:t/>
             </a:r>
             <a:br>
               <a:rPr lang="hu-HU" sz="1000" b="1" dirty="0">
@@ -1222,6 +1319,13 @@
               </a:rPr>
               <a:t>Economics</a:t>
             </a:r>
+            <a:r>
+              <a:rPr lang="hu-HU" sz="2400" b="1" dirty="0">
+                <a:latin typeface="+mn-lt"/>
+                <a:cs typeface="+mn-cs"/>
+              </a:rPr>
+              <a:t/>
+            </a:r>
             <a:br>
               <a:rPr lang="hu-HU" sz="2400" b="1" dirty="0">
                 <a:latin typeface="+mn-lt"/>
@@ -3014,6 +3118,13 @@
               </a:rPr>
               <a:t>Economics</a:t>
             </a:r>
+            <a:r>
+              <a:rPr lang="hu-HU" sz="2400" b="1" dirty="0">
+                <a:latin typeface="+mn-lt"/>
+                <a:cs typeface="+mn-cs"/>
+              </a:rPr>
+              <a:t/>
+            </a:r>
             <a:br>
               <a:rPr lang="hu-HU" sz="2400" b="1" dirty="0">
                 <a:latin typeface="+mn-lt"/>
@@ -3267,6 +3378,16 @@
                 <a:cs typeface="+mn-cs"/>
               </a:rPr>
               <a:t>Budapest University of Technology and Economics</a:t>
+            </a:r>
+            <a:r>
+              <a:rPr lang="hu-HU" sz="1000" b="1" dirty="0">
+                <a:solidFill>
+                  <a:schemeClr val="tx1"/>
+                </a:solidFill>
+                <a:latin typeface="+mn-lt"/>
+                <a:cs typeface="+mn-cs"/>
+              </a:rPr>
+              <a:t/>
             </a:r>
             <a:br>
               <a:rPr lang="hu-HU" sz="1000" b="1" dirty="0">
@@ -5574,7 +5695,7 @@
           <a:p>
             <a:r>
               <a:rPr lang="hu-HU" dirty="0"/>
-              <a:t>Összefoglalás</a:t>
+              <a:t>Kitekintés</a:t>
             </a:r>
             <a:endParaRPr lang="en-US" dirty="0"/>
           </a:p>
@@ -5596,73 +5717,64 @@
           <a:lstStyle/>
           <a:p>
             <a:r>
+              <a:rPr lang="hu-HU" dirty="0"/>
+              <a:t>Cél: Egy valós </a:t>
+            </a:r>
+            <a:r>
               <a:rPr lang="hu-HU" dirty="0" err="1"/>
-              <a:t>Mikroszolgáltatások</a:t>
+              <a:t>mikroszolgáltatásokra</a:t>
             </a:r>
             <a:r>
               <a:rPr lang="hu-HU" dirty="0"/>
-              <a:t> megismerése</a:t>
-            </a:r>
-          </a:p>
-          <a:p>
+              <a:t> épülő alkalmazás kiépítése</a:t>
+            </a:r>
+          </a:p>
+          <a:p>
+            <a:pPr lvl="1"/>
             <a:r>
               <a:rPr lang="hu-HU" dirty="0"/>
-              <a:t>Minta alkalmazás elkészítése</a:t>
+              <a:t>Terhelés elosztással</a:t>
             </a:r>
           </a:p>
           <a:p>
             <a:pPr lvl="1"/>
             <a:r>
               <a:rPr lang="hu-HU" dirty="0"/>
-              <a:t>Bejelentkezés</a:t>
+              <a:t>Modul tesztekkel</a:t>
             </a:r>
           </a:p>
           <a:p>
             <a:pPr lvl="1"/>
             <a:r>
+              <a:rPr lang="hu-HU" dirty="0" err="1"/>
+              <a:t>Jenkins-ből</a:t>
+            </a:r>
+            <a:r>
               <a:rPr lang="hu-HU" dirty="0"/>
-              <a:t>Böngészés</a:t>
+              <a:t> gyorsan telepítve</a:t>
+            </a:r>
+          </a:p>
+          <a:p>
+            <a:r>
+              <a:rPr lang="hu-HU" dirty="0"/>
+              <a:t>Modul tesztek készítése és futtatása</a:t>
+            </a:r>
+          </a:p>
+          <a:p>
+            <a:r>
+              <a:rPr lang="hu-HU" dirty="0"/>
+              <a:t>A fejlesztési folyamat bemutatása</a:t>
             </a:r>
           </a:p>
           <a:p>
             <a:pPr lvl="1"/>
             <a:r>
               <a:rPr lang="hu-HU" dirty="0"/>
-              <a:t>Vásárlás</a:t>
-            </a:r>
-          </a:p>
-          <a:p>
-            <a:r>
-              <a:rPr lang="hu-HU" dirty="0"/>
-              <a:t>Használt technológiák</a:t>
-            </a:r>
-          </a:p>
-          <a:p>
-            <a:pPr lvl="1"/>
-            <a:r>
-              <a:rPr lang="hu-HU" dirty="0" err="1"/>
-              <a:t>Docker</a:t>
-            </a:r>
+              <a:t>Valós fejlesztési folyamathoz hasonló</a:t>
+            </a:r>
+          </a:p>
+          <a:p>
             <a:endParaRPr lang="hu-HU" dirty="0"/>
-          </a:p>
-          <a:p>
-            <a:pPr lvl="1"/>
-            <a:r>
-              <a:rPr lang="hu-HU" dirty="0" err="1"/>
-              <a:t>Jenkins</a:t>
-            </a:r>
-            <a:endParaRPr lang="hu-HU" dirty="0"/>
-          </a:p>
-          <a:p>
-            <a:pPr lvl="1"/>
-            <a:r>
-              <a:rPr lang="hu-HU" dirty="0" err="1"/>
-              <a:t>Zookeeper</a:t>
-            </a:r>
-            <a:r>
-              <a:rPr lang="hu-HU" dirty="0"/>
-              <a:t> (Következő félév)</a:t>
-            </a:r>
           </a:p>
         </p:txBody>
       </p:sp>
@@ -5685,6 +5797,169 @@
               <a:rPr lang="hu-HU" smtClean="0"/>
               <a:pPr/>
               <a:t>10</a:t>
+            </a:fld>
+            <a:endParaRPr lang="hu-HU" dirty="0"/>
+          </a:p>
+        </p:txBody>
+      </p:sp>
+    </p:spTree>
+    <p:extLst>
+      <p:ext uri="{BB962C8B-B14F-4D97-AF65-F5344CB8AC3E}">
+        <p14:creationId xmlns:p14="http://schemas.microsoft.com/office/powerpoint/2010/main" val="667021315"/>
+      </p:ext>
+    </p:extLst>
+  </p:cSld>
+  <p:clrMapOvr>
+    <a:masterClrMapping/>
+  </p:clrMapOvr>
+</p:sld>
+</file>
+
+<file path=ppt/slides/slide11.xml><?xml version="1.0" encoding="utf-8"?>
+<p:sld xmlns:a="http://schemas.openxmlformats.org/drawingml/2006/main" xmlns:r="http://schemas.openxmlformats.org/officeDocument/2006/relationships" xmlns:p="http://schemas.openxmlformats.org/presentationml/2006/main">
+  <p:cSld>
+    <p:spTree>
+      <p:nvGrpSpPr>
+        <p:cNvPr id="1" name=""/>
+        <p:cNvGrpSpPr/>
+        <p:nvPr/>
+      </p:nvGrpSpPr>
+      <p:grpSpPr>
+        <a:xfrm>
+          <a:off x="0" y="0"/>
+          <a:ext cx="0" cy="0"/>
+          <a:chOff x="0" y="0"/>
+          <a:chExt cx="0" cy="0"/>
+        </a:xfrm>
+      </p:grpSpPr>
+      <p:sp>
+        <p:nvSpPr>
+          <p:cNvPr id="2" name="Cím 1"/>
+          <p:cNvSpPr>
+            <a:spLocks noGrp="1"/>
+          </p:cNvSpPr>
+          <p:nvPr>
+            <p:ph type="title"/>
+          </p:nvPr>
+        </p:nvSpPr>
+        <p:spPr/>
+        <p:txBody>
+          <a:bodyPr/>
+          <a:lstStyle/>
+          <a:p>
+            <a:r>
+              <a:rPr lang="hu-HU" dirty="0"/>
+              <a:t>Összefoglalás</a:t>
+            </a:r>
+            <a:endParaRPr lang="en-US" dirty="0"/>
+          </a:p>
+        </p:txBody>
+      </p:sp>
+      <p:sp>
+        <p:nvSpPr>
+          <p:cNvPr id="3" name="Tartalom helye 2"/>
+          <p:cNvSpPr>
+            <a:spLocks noGrp="1"/>
+          </p:cNvSpPr>
+          <p:nvPr>
+            <p:ph idx="1"/>
+          </p:nvPr>
+        </p:nvSpPr>
+        <p:spPr/>
+        <p:txBody>
+          <a:bodyPr/>
+          <a:lstStyle/>
+          <a:p>
+            <a:r>
+              <a:rPr lang="hu-HU" dirty="0" err="1"/>
+              <a:t>Mikroszolgáltatások</a:t>
+            </a:r>
+            <a:r>
+              <a:rPr lang="hu-HU" dirty="0"/>
+              <a:t> megismerése</a:t>
+            </a:r>
+          </a:p>
+          <a:p>
+            <a:r>
+              <a:rPr lang="hu-HU" dirty="0"/>
+              <a:t>Minta alkalmazás elkészítése</a:t>
+            </a:r>
+          </a:p>
+          <a:p>
+            <a:pPr lvl="1"/>
+            <a:r>
+              <a:rPr lang="hu-HU" dirty="0"/>
+              <a:t>Bejelentkezés</a:t>
+            </a:r>
+          </a:p>
+          <a:p>
+            <a:pPr lvl="1"/>
+            <a:r>
+              <a:rPr lang="hu-HU" dirty="0"/>
+              <a:t>Böngészés</a:t>
+            </a:r>
+          </a:p>
+          <a:p>
+            <a:pPr lvl="1"/>
+            <a:r>
+              <a:rPr lang="hu-HU" dirty="0"/>
+              <a:t>Vásárlás</a:t>
+            </a:r>
+          </a:p>
+          <a:p>
+            <a:r>
+              <a:rPr lang="hu-HU" dirty="0"/>
+              <a:t>Használt technológiák</a:t>
+            </a:r>
+          </a:p>
+          <a:p>
+            <a:pPr lvl="1"/>
+            <a:r>
+              <a:rPr lang="hu-HU" dirty="0" err="1"/>
+              <a:t>Docker</a:t>
+            </a:r>
+            <a:endParaRPr lang="hu-HU" dirty="0"/>
+          </a:p>
+          <a:p>
+            <a:pPr lvl="1"/>
+            <a:r>
+              <a:rPr lang="hu-HU" dirty="0" err="1"/>
+              <a:t>Jenkins</a:t>
+            </a:r>
+            <a:endParaRPr lang="hu-HU" dirty="0"/>
+          </a:p>
+          <a:p>
+            <a:pPr lvl="1"/>
+            <a:r>
+              <a:rPr lang="hu-HU" dirty="0" err="1"/>
+              <a:t>Zookeeper</a:t>
+            </a:r>
+            <a:r>
+              <a:rPr lang="hu-HU" dirty="0"/>
+              <a:t> (Következő félév)</a:t>
+            </a:r>
+          </a:p>
+        </p:txBody>
+      </p:sp>
+      <p:sp>
+        <p:nvSpPr>
+          <p:cNvPr id="4" name="Dia számának helye 3"/>
+          <p:cNvSpPr>
+            <a:spLocks noGrp="1"/>
+          </p:cNvSpPr>
+          <p:nvPr>
+            <p:ph type="sldNum" sz="quarter" idx="10"/>
+          </p:nvPr>
+        </p:nvSpPr>
+        <p:spPr/>
+        <p:txBody>
+          <a:bodyPr/>
+          <a:lstStyle/>
+          <a:p>
+            <a:fld id="{A7C85712-A09B-4560-9D1E-08050AA835BB}" type="slidenum">
+              <a:rPr lang="hu-HU" smtClean="0"/>
+              <a:pPr/>
+              <a:t>11</a:t>
             </a:fld>
             <a:endParaRPr lang="hu-HU" dirty="0"/>
           </a:p>
@@ -5736,8 +6011,16 @@
           <a:lstStyle/>
           <a:p>
             <a:r>
-              <a:rPr lang="hu-HU" dirty="0"/>
-              <a:t>Félév feladatai</a:t>
+              <a:rPr lang="en-US" dirty="0" err="1" smtClean="0"/>
+              <a:t>Diplomaterv</a:t>
+            </a:r>
+            <a:r>
+              <a:rPr lang="en-US" dirty="0" smtClean="0"/>
+              <a:t> </a:t>
+            </a:r>
+            <a:r>
+              <a:rPr lang="en-US" dirty="0" err="1" smtClean="0"/>
+              <a:t>céljai</a:t>
             </a:r>
             <a:endParaRPr lang="en-US" dirty="0"/>
           </a:p>
@@ -5759,62 +6042,233 @@
           <a:lstStyle/>
           <a:p>
             <a:r>
-              <a:rPr lang="hu-HU" b="1" dirty="0"/>
-              <a:t>Megismerni a </a:t>
-            </a:r>
-            <a:r>
-              <a:rPr lang="hu-HU" b="1" dirty="0" err="1"/>
-              <a:t>mikroszolgáltatás</a:t>
-            </a:r>
-            <a:r>
-              <a:rPr lang="hu-HU" b="1" dirty="0"/>
-              <a:t> architektúrát</a:t>
-            </a:r>
-          </a:p>
-          <a:p>
-            <a:pPr lvl="1"/>
-            <a:r>
-              <a:rPr lang="hu-HU" dirty="0"/>
-              <a:t>Irodalom </a:t>
-            </a:r>
-            <a:r>
-              <a:rPr lang="hu-HU" dirty="0" err="1"/>
-              <a:t>kuttatás</a:t>
-            </a:r>
-            <a:endParaRPr lang="hu-HU" dirty="0"/>
-          </a:p>
-          <a:p>
-            <a:pPr lvl="1"/>
-            <a:r>
-              <a:rPr lang="hu-HU" dirty="0"/>
-              <a:t>Más ipari implementációk tanulmányozása</a:t>
-            </a:r>
-          </a:p>
-          <a:p>
-            <a:r>
-              <a:rPr lang="hu-HU" dirty="0"/>
-              <a:t>Elkészíteni egy egyszerű </a:t>
-            </a:r>
-            <a:r>
-              <a:rPr lang="hu-HU" dirty="0" err="1"/>
-              <a:t>mikroszolgáltatásokra</a:t>
-            </a:r>
-            <a:r>
-              <a:rPr lang="hu-HU" dirty="0"/>
-              <a:t> épülő alkalmazást</a:t>
-            </a:r>
-          </a:p>
-          <a:p>
-            <a:r>
-              <a:rPr lang="hu-HU" dirty="0"/>
-              <a:t>Automatizálni az alkalmazáshoz tartozó fejlesztési folyamatot</a:t>
-            </a:r>
-          </a:p>
-          <a:p>
-            <a:endParaRPr lang="hu-HU" dirty="0"/>
-          </a:p>
-          <a:p>
-            <a:endParaRPr lang="hu-HU" dirty="0"/>
+              <a:rPr lang="en-US" sz="2800" dirty="0" err="1" smtClean="0"/>
+              <a:t>Mikroszolgáltatások</a:t>
+            </a:r>
+            <a:r>
+              <a:rPr lang="en-US" sz="2800" dirty="0" smtClean="0"/>
+              <a:t> </a:t>
+            </a:r>
+            <a:r>
+              <a:rPr lang="en-US" sz="2800" dirty="0" err="1" smtClean="0"/>
+              <a:t>architektúra</a:t>
+            </a:r>
+            <a:r>
+              <a:rPr lang="en-US" sz="2800" dirty="0" smtClean="0"/>
+              <a:t> </a:t>
+            </a:r>
+            <a:r>
+              <a:rPr lang="en-US" sz="2800" dirty="0" err="1" smtClean="0"/>
+              <a:t>megismerése</a:t>
+            </a:r>
+            <a:r>
+              <a:rPr lang="en-US" sz="2800" dirty="0" smtClean="0"/>
+              <a:t>/</a:t>
+            </a:r>
+            <a:r>
+              <a:rPr lang="en-US" sz="2800" dirty="0" err="1" smtClean="0"/>
+              <a:t>bemutatása</a:t>
+            </a:r>
+            <a:endParaRPr lang="en-US" sz="2800" dirty="0" smtClean="0"/>
+          </a:p>
+          <a:p>
+            <a:r>
+              <a:rPr lang="en-US" sz="2800" dirty="0" err="1" smtClean="0"/>
+              <a:t>Architektúra</a:t>
+            </a:r>
+            <a:r>
+              <a:rPr lang="en-US" sz="2800" dirty="0" smtClean="0"/>
+              <a:t> </a:t>
+            </a:r>
+            <a:r>
+              <a:rPr lang="en-US" sz="2800" dirty="0" err="1" smtClean="0"/>
+              <a:t>előnyeinek</a:t>
+            </a:r>
+            <a:r>
+              <a:rPr lang="en-US" sz="2800" dirty="0" smtClean="0"/>
+              <a:t> </a:t>
+            </a:r>
+            <a:r>
+              <a:rPr lang="en-US" sz="2800" dirty="0" err="1" smtClean="0"/>
+              <a:t>és</a:t>
+            </a:r>
+            <a:r>
+              <a:rPr lang="en-US" sz="2800" dirty="0" smtClean="0"/>
+              <a:t> </a:t>
+            </a:r>
+            <a:r>
+              <a:rPr lang="en-US" sz="2800" dirty="0" err="1" smtClean="0"/>
+              <a:t>hátrányainak</a:t>
+            </a:r>
+            <a:r>
+              <a:rPr lang="en-US" sz="2800" dirty="0" smtClean="0"/>
+              <a:t> </a:t>
+            </a:r>
+            <a:r>
+              <a:rPr lang="en-US" sz="2800" dirty="0" err="1" smtClean="0"/>
+              <a:t>az</a:t>
+            </a:r>
+            <a:r>
+              <a:rPr lang="en-US" sz="2800" dirty="0" smtClean="0"/>
+              <a:t> </a:t>
+            </a:r>
+            <a:r>
+              <a:rPr lang="en-US" sz="2800" dirty="0" err="1" smtClean="0"/>
+              <a:t>elemzése</a:t>
+            </a:r>
+            <a:endParaRPr lang="en-US" sz="2800" dirty="0" smtClean="0"/>
+          </a:p>
+          <a:p>
+            <a:r>
+              <a:rPr lang="en-US" sz="2800" dirty="0" err="1" smtClean="0"/>
+              <a:t>Szokásos</a:t>
+            </a:r>
+            <a:r>
+              <a:rPr lang="en-US" sz="2800" dirty="0" smtClean="0"/>
+              <a:t> </a:t>
+            </a:r>
+            <a:r>
+              <a:rPr lang="en-US" sz="2800" dirty="0" err="1" smtClean="0"/>
+              <a:t>technol</a:t>
+            </a:r>
+            <a:r>
+              <a:rPr lang="hu-HU" sz="2800" dirty="0" smtClean="0"/>
+              <a:t>ó</a:t>
+            </a:r>
+            <a:r>
+              <a:rPr lang="en-US" sz="2800" dirty="0" err="1" smtClean="0"/>
+              <a:t>giák</a:t>
+            </a:r>
+            <a:r>
+              <a:rPr lang="en-US" sz="2800" dirty="0" smtClean="0"/>
+              <a:t> </a:t>
+            </a:r>
+            <a:r>
+              <a:rPr lang="en-US" sz="2800" dirty="0" err="1" smtClean="0"/>
+              <a:t>bemutatása</a:t>
+            </a:r>
+            <a:endParaRPr lang="en-US" sz="2800" dirty="0" smtClean="0"/>
+          </a:p>
+          <a:p>
+            <a:r>
+              <a:rPr lang="en-US" sz="2800" dirty="0" err="1" smtClean="0"/>
+              <a:t>Folytonos</a:t>
+            </a:r>
+            <a:r>
+              <a:rPr lang="en-US" sz="2800" dirty="0" smtClean="0"/>
+              <a:t> </a:t>
+            </a:r>
+            <a:r>
+              <a:rPr lang="en-US" sz="2800" dirty="0" err="1" smtClean="0"/>
+              <a:t>integráci</a:t>
+            </a:r>
+            <a:r>
+              <a:rPr lang="hu-HU" sz="2800" dirty="0" smtClean="0"/>
+              <a:t>ó</a:t>
+            </a:r>
+            <a:r>
+              <a:rPr lang="en-US" sz="2800" dirty="0" smtClean="0"/>
+              <a:t> </a:t>
+            </a:r>
+            <a:r>
+              <a:rPr lang="en-US" sz="2800" dirty="0" err="1" smtClean="0"/>
+              <a:t>felhasználásával</a:t>
+            </a:r>
+            <a:r>
+              <a:rPr lang="en-US" sz="2800" dirty="0" smtClean="0"/>
+              <a:t> </a:t>
+            </a:r>
+            <a:r>
+              <a:rPr lang="en-US" sz="2800" dirty="0" err="1" smtClean="0"/>
+              <a:t>automatikus</a:t>
+            </a:r>
+            <a:r>
+              <a:rPr lang="en-US" sz="2800" dirty="0" smtClean="0"/>
+              <a:t> </a:t>
+            </a:r>
+            <a:r>
+              <a:rPr lang="en-US" sz="2800" dirty="0" err="1" smtClean="0"/>
+              <a:t>telepitéshez</a:t>
+            </a:r>
+            <a:r>
+              <a:rPr lang="en-US" sz="2800" dirty="0" smtClean="0"/>
+              <a:t> </a:t>
+            </a:r>
+            <a:r>
+              <a:rPr lang="en-US" sz="2800" dirty="0" err="1" smtClean="0"/>
+              <a:t>keretrendszer</a:t>
+            </a:r>
+            <a:r>
+              <a:rPr lang="en-US" sz="2800" dirty="0" smtClean="0"/>
+              <a:t> </a:t>
+            </a:r>
+            <a:r>
+              <a:rPr lang="en-US" sz="2800" dirty="0" err="1" smtClean="0"/>
+              <a:t>tervezése</a:t>
+            </a:r>
+            <a:endParaRPr lang="en-US" sz="2800" dirty="0" smtClean="0"/>
+          </a:p>
+          <a:p>
+            <a:r>
+              <a:rPr lang="en-US" sz="2800" dirty="0" err="1" smtClean="0"/>
+              <a:t>Megtervezett</a:t>
+            </a:r>
+            <a:r>
+              <a:rPr lang="en-US" sz="2800" dirty="0" smtClean="0"/>
+              <a:t> </a:t>
+            </a:r>
+            <a:r>
+              <a:rPr lang="en-US" sz="2800" dirty="0" err="1" smtClean="0"/>
+              <a:t>keretrendszer</a:t>
+            </a:r>
+            <a:r>
+              <a:rPr lang="en-US" sz="2800" dirty="0" smtClean="0"/>
+              <a:t> </a:t>
+            </a:r>
+            <a:r>
+              <a:rPr lang="en-US" sz="2800" dirty="0" err="1" smtClean="0"/>
+              <a:t>elkészitése</a:t>
+            </a:r>
+            <a:endParaRPr lang="en-US" sz="2800" dirty="0" smtClean="0"/>
+          </a:p>
+          <a:p>
+            <a:r>
+              <a:rPr lang="en-US" sz="2800" dirty="0" err="1" smtClean="0"/>
+              <a:t>Elkészitett</a:t>
+            </a:r>
+            <a:r>
+              <a:rPr lang="en-US" sz="2800" dirty="0" smtClean="0"/>
+              <a:t> </a:t>
+            </a:r>
+            <a:r>
+              <a:rPr lang="en-US" sz="2800" dirty="0" err="1" smtClean="0"/>
+              <a:t>keretrendszer</a:t>
+            </a:r>
+            <a:r>
+              <a:rPr lang="en-US" sz="2800" dirty="0" smtClean="0"/>
+              <a:t> </a:t>
+            </a:r>
+            <a:r>
+              <a:rPr lang="en-US" sz="2800" dirty="0" err="1" smtClean="0"/>
+              <a:t>kielemzése</a:t>
+            </a:r>
+            <a:r>
+              <a:rPr lang="en-US" sz="2800" dirty="0" smtClean="0"/>
+              <a:t> (</a:t>
+            </a:r>
+            <a:r>
+              <a:rPr lang="en-US" sz="2800" dirty="0" err="1" smtClean="0"/>
+              <a:t>előnyei</a:t>
+            </a:r>
+            <a:r>
+              <a:rPr lang="en-US" sz="2800" dirty="0" smtClean="0"/>
+              <a:t> </a:t>
+            </a:r>
+            <a:r>
+              <a:rPr lang="en-US" sz="2800" smtClean="0"/>
+              <a:t>hátránya)</a:t>
+            </a:r>
+            <a:endParaRPr lang="hu-HU" sz="2800" dirty="0"/>
           </a:p>
         </p:txBody>
       </p:sp>
@@ -5888,8 +6342,8 @@
           <a:lstStyle/>
           <a:p>
             <a:r>
-              <a:rPr lang="hu-HU" dirty="0" err="1"/>
-              <a:t>Mikroszolgáltatások</a:t>
+              <a:rPr lang="hu-HU" dirty="0"/>
+              <a:t>Félév feladatai</a:t>
             </a:r>
             <a:endParaRPr lang="en-US" dirty="0"/>
           </a:p>
@@ -5911,109 +6365,62 @@
           <a:lstStyle/>
           <a:p>
             <a:r>
+              <a:rPr lang="hu-HU" b="1" dirty="0"/>
+              <a:t>Megismerni a </a:t>
+            </a:r>
+            <a:r>
+              <a:rPr lang="hu-HU" b="1" dirty="0" err="1"/>
+              <a:t>mikroszolgáltatás</a:t>
+            </a:r>
+            <a:r>
+              <a:rPr lang="hu-HU" b="1" dirty="0"/>
+              <a:t> architektúrát</a:t>
+            </a:r>
+          </a:p>
+          <a:p>
+            <a:pPr lvl="1"/>
+            <a:r>
+              <a:rPr lang="hu-HU" dirty="0"/>
+              <a:t>Irodalom </a:t>
+            </a:r>
+            <a:r>
               <a:rPr lang="hu-HU" dirty="0" err="1"/>
-              <a:t>Architektúrális</a:t>
-            </a:r>
+              <a:t>kuttatás</a:t>
+            </a:r>
+            <a:endParaRPr lang="hu-HU" dirty="0"/>
+          </a:p>
+          <a:p>
+            <a:pPr lvl="1"/>
             <a:r>
               <a:rPr lang="hu-HU" dirty="0"/>
-              <a:t> minta</a:t>
+              <a:t>Más ipari implementációk tanulmányozása</a:t>
             </a:r>
           </a:p>
           <a:p>
             <a:r>
               <a:rPr lang="hu-HU" dirty="0"/>
-              <a:t>Funkciók szerinti szétválasztás (Y tengely menti)</a:t>
-            </a:r>
-          </a:p>
-          <a:p>
+              <a:t>Elkészíteni egy egyszerű </a:t>
+            </a:r>
+            <a:r>
+              <a:rPr lang="hu-HU" dirty="0" err="1"/>
+              <a:t>mikroszolgáltatásokra</a:t>
+            </a:r>
             <a:r>
               <a:rPr lang="hu-HU" dirty="0"/>
-              <a:t>Jól definiált interfészek közötti kommunikáció (Jellemzően REST, vagy SOAP)</a:t>
+              <a:t> épülő alkalmazást</a:t>
             </a:r>
           </a:p>
           <a:p>
             <a:r>
               <a:rPr lang="hu-HU" dirty="0"/>
-              <a:t>Szoftver fejlesztési architektúra, szabadon használható rendszer fejlesztési technológiával</a:t>
-            </a:r>
-          </a:p>
-          <a:p>
-            <a:pPr lvl="1"/>
-            <a:r>
-              <a:rPr lang="hu-HU" dirty="0" err="1"/>
-              <a:t>Pipes</a:t>
-            </a:r>
-            <a:r>
-              <a:rPr lang="hu-HU" dirty="0"/>
-              <a:t> and </a:t>
-            </a:r>
-            <a:r>
-              <a:rPr lang="hu-HU" dirty="0" err="1"/>
-              <a:t>Filters</a:t>
-            </a:r>
+              <a:t>Automatizálni az alkalmazáshoz tartozó fejlesztési folyamatot</a:t>
+            </a:r>
+          </a:p>
+          <a:p>
             <a:endParaRPr lang="hu-HU" dirty="0"/>
           </a:p>
           <a:p>
-            <a:pPr lvl="1"/>
-            <a:r>
-              <a:rPr lang="hu-HU" dirty="0" err="1"/>
-              <a:t>Publish</a:t>
-            </a:r>
-            <a:r>
-              <a:rPr lang="hu-HU" dirty="0"/>
-              <a:t>/</a:t>
-            </a:r>
-            <a:r>
-              <a:rPr lang="hu-HU" dirty="0" err="1"/>
-              <a:t>Subscribe</a:t>
-            </a:r>
             <a:endParaRPr lang="hu-HU" dirty="0"/>
-          </a:p>
-          <a:p>
-            <a:pPr lvl="1"/>
-            <a:r>
-              <a:rPr lang="hu-HU" dirty="0" err="1"/>
-              <a:t>Event</a:t>
-            </a:r>
-            <a:r>
-              <a:rPr lang="hu-HU" dirty="0"/>
-              <a:t> </a:t>
-            </a:r>
-            <a:r>
-              <a:rPr lang="hu-HU" dirty="0" err="1"/>
-              <a:t>Driven</a:t>
-            </a:r>
-            <a:r>
-              <a:rPr lang="hu-HU" dirty="0"/>
-              <a:t> </a:t>
-            </a:r>
-            <a:r>
-              <a:rPr lang="hu-HU" dirty="0" err="1"/>
-              <a:t>Architechture</a:t>
-            </a:r>
-            <a:endParaRPr lang="hu-HU" dirty="0"/>
-          </a:p>
-          <a:p>
-            <a:r>
-              <a:rPr lang="hu-HU" dirty="0"/>
-              <a:t>Amazon, eBay, </a:t>
-            </a:r>
-            <a:r>
-              <a:rPr lang="hu-HU" dirty="0" err="1"/>
-              <a:t>Netflix</a:t>
-            </a:r>
-            <a:r>
-              <a:rPr lang="hu-HU" dirty="0"/>
-              <a:t>, </a:t>
-            </a:r>
-            <a:r>
-              <a:rPr lang="hu-HU" dirty="0" err="1"/>
-              <a:t>Archivematica</a:t>
-            </a:r>
-            <a:r>
-              <a:rPr lang="hu-HU" dirty="0"/>
-              <a:t>, …</a:t>
-            </a:r>
           </a:p>
         </p:txBody>
       </p:sp>
@@ -6044,7 +6451,7 @@
     </p:spTree>
     <p:extLst>
       <p:ext uri="{BB962C8B-B14F-4D97-AF65-F5344CB8AC3E}">
-        <p14:creationId xmlns:p14="http://schemas.microsoft.com/office/powerpoint/2010/main" val="1744338653"/>
+        <p14:creationId xmlns:p14="http://schemas.microsoft.com/office/powerpoint/2010/main" val="4107237836"/>
       </p:ext>
     </p:extLst>
   </p:cSld>
@@ -6090,10 +6497,6 @@
               <a:rPr lang="hu-HU" dirty="0" err="1"/>
               <a:t>Mikroszolgáltatások</a:t>
             </a:r>
-            <a:r>
-              <a:rPr lang="hu-HU" dirty="0"/>
-              <a:t> előnyei</a:t>
-            </a:r>
             <a:endParaRPr lang="en-US" dirty="0"/>
           </a:p>
         </p:txBody>
@@ -6114,32 +6517,108 @@
           <a:lstStyle/>
           <a:p>
             <a:r>
+              <a:rPr lang="hu-HU" dirty="0" err="1"/>
+              <a:t>Architektúrális</a:t>
+            </a:r>
+            <a:r>
               <a:rPr lang="hu-HU" dirty="0"/>
-              <a:t>Könnyen fejleszthető csapatban</a:t>
+              <a:t> minta</a:t>
             </a:r>
           </a:p>
           <a:p>
             <a:r>
               <a:rPr lang="hu-HU" dirty="0"/>
-              <a:t>Az egyes komponensek könnyen átláthatók, megérthetők</a:t>
+              <a:t>Funkciók szerinti szétválasztás (Y tengely menti)</a:t>
             </a:r>
           </a:p>
           <a:p>
             <a:r>
               <a:rPr lang="hu-HU" dirty="0"/>
-              <a:t>Egyszerű kicserélni, telepíteni, módosítani (moduláris)</a:t>
+              <a:t>Jól definiált interfészek közötti kommunikáció (Jellemzően REST, vagy SOAP)</a:t>
             </a:r>
           </a:p>
           <a:p>
             <a:r>
               <a:rPr lang="hu-HU" dirty="0"/>
-              <a:t>Jól skálázható</a:t>
-            </a:r>
-          </a:p>
-          <a:p>
+              <a:t>Szoftver fejlesztési architektúra, szabadon használható rendszer fejlesztési technológiával</a:t>
+            </a:r>
+          </a:p>
+          <a:p>
+            <a:pPr lvl="1"/>
+            <a:r>
+              <a:rPr lang="hu-HU" dirty="0" err="1"/>
+              <a:t>Pipes</a:t>
+            </a:r>
             <a:r>
               <a:rPr lang="hu-HU" dirty="0"/>
-              <a:t>Támogatja a kevert technológiákat</a:t>
+              <a:t> and </a:t>
+            </a:r>
+            <a:r>
+              <a:rPr lang="hu-HU" dirty="0" err="1"/>
+              <a:t>Filters</a:t>
+            </a:r>
+            <a:endParaRPr lang="hu-HU" dirty="0"/>
+          </a:p>
+          <a:p>
+            <a:pPr lvl="1"/>
+            <a:r>
+              <a:rPr lang="hu-HU" dirty="0" err="1"/>
+              <a:t>Publish</a:t>
+            </a:r>
+            <a:r>
+              <a:rPr lang="hu-HU" dirty="0"/>
+              <a:t>/</a:t>
+            </a:r>
+            <a:r>
+              <a:rPr lang="hu-HU" dirty="0" err="1"/>
+              <a:t>Subscribe</a:t>
+            </a:r>
+            <a:endParaRPr lang="hu-HU" dirty="0"/>
+          </a:p>
+          <a:p>
+            <a:pPr lvl="1"/>
+            <a:r>
+              <a:rPr lang="hu-HU" dirty="0" err="1"/>
+              <a:t>Event</a:t>
+            </a:r>
+            <a:r>
+              <a:rPr lang="hu-HU" dirty="0"/>
+              <a:t> </a:t>
+            </a:r>
+            <a:r>
+              <a:rPr lang="hu-HU" dirty="0" err="1"/>
+              <a:t>Driven</a:t>
+            </a:r>
+            <a:r>
+              <a:rPr lang="hu-HU" dirty="0"/>
+              <a:t> </a:t>
+            </a:r>
+            <a:r>
+              <a:rPr lang="hu-HU" dirty="0" err="1"/>
+              <a:t>Architechture</a:t>
+            </a:r>
+            <a:endParaRPr lang="hu-HU" dirty="0"/>
+          </a:p>
+          <a:p>
+            <a:r>
+              <a:rPr lang="hu-HU" dirty="0"/>
+              <a:t>Amazon, eBay, </a:t>
+            </a:r>
+            <a:r>
+              <a:rPr lang="hu-HU" dirty="0" err="1"/>
+              <a:t>Netflix</a:t>
+            </a:r>
+            <a:r>
+              <a:rPr lang="hu-HU" dirty="0"/>
+              <a:t>, </a:t>
+            </a:r>
+            <a:r>
+              <a:rPr lang="hu-HU" dirty="0" err="1"/>
+              <a:t>Archivematica</a:t>
+            </a:r>
+            <a:r>
+              <a:rPr lang="hu-HU" dirty="0"/>
+              <a:t>, …</a:t>
             </a:r>
           </a:p>
         </p:txBody>
@@ -6171,7 +6650,7 @@
     </p:spTree>
     <p:extLst>
       <p:ext uri="{BB962C8B-B14F-4D97-AF65-F5344CB8AC3E}">
-        <p14:creationId xmlns:p14="http://schemas.microsoft.com/office/powerpoint/2010/main" val="427692823"/>
+        <p14:creationId xmlns:p14="http://schemas.microsoft.com/office/powerpoint/2010/main" val="1744338653"/>
       </p:ext>
     </p:extLst>
   </p:cSld>
@@ -6219,7 +6698,7 @@
             </a:r>
             <a:r>
               <a:rPr lang="hu-HU" dirty="0"/>
-              <a:t> hátrányai</a:t>
+              <a:t> előnyei</a:t>
             </a:r>
             <a:endParaRPr lang="en-US" dirty="0"/>
           </a:p>
@@ -6242,36 +6721,32 @@
           <a:p>
             <a:r>
               <a:rPr lang="hu-HU" dirty="0"/>
-              <a:t>Komplexitás nő (Elosztott rendszer, nehezen kezelhető egyben)</a:t>
-            </a:r>
-          </a:p>
-          <a:p>
-            <a:r>
-              <a:rPr lang="hu-HU" dirty="0" err="1"/>
-              <a:t>Azsinkron</a:t>
-            </a:r>
+              <a:t>Könnyen fejleszthető csapatban</a:t>
+            </a:r>
+          </a:p>
+          <a:p>
             <a:r>
               <a:rPr lang="hu-HU" dirty="0"/>
-              <a:t> működés</a:t>
+              <a:t>Az egyes komponensek könnyen átláthatók, megérthetők</a:t>
             </a:r>
           </a:p>
           <a:p>
             <a:r>
               <a:rPr lang="hu-HU" dirty="0"/>
-              <a:t>Interfészek kötöttek</a:t>
+              <a:t>Egyszerű kicserélni, telepíteni, módosítani (moduláris)</a:t>
             </a:r>
           </a:p>
           <a:p>
             <a:r>
               <a:rPr lang="hu-HU" dirty="0"/>
-              <a:t>Nehezen tesztelhető (egyben)</a:t>
-            </a:r>
-          </a:p>
-          <a:p>
-            <a:endParaRPr lang="hu-HU" dirty="0"/>
-          </a:p>
-          <a:p>
-            <a:endParaRPr lang="hu-HU" dirty="0"/>
+              <a:t>Jól skálázható</a:t>
+            </a:r>
+          </a:p>
+          <a:p>
+            <a:r>
+              <a:rPr lang="hu-HU" dirty="0"/>
+              <a:t>Támogatja a kevert technológiákat</a:t>
+            </a:r>
           </a:p>
         </p:txBody>
       </p:sp>
@@ -6302,7 +6777,7 @@
     </p:spTree>
     <p:extLst>
       <p:ext uri="{BB962C8B-B14F-4D97-AF65-F5344CB8AC3E}">
-        <p14:creationId xmlns:p14="http://schemas.microsoft.com/office/powerpoint/2010/main" val="2834910173"/>
+        <p14:creationId xmlns:p14="http://schemas.microsoft.com/office/powerpoint/2010/main" val="427692823"/>
       </p:ext>
     </p:extLst>
   </p:cSld>
@@ -6345,8 +6820,12 @@
           <a:lstStyle/>
           <a:p>
             <a:r>
+              <a:rPr lang="hu-HU" dirty="0" err="1"/>
+              <a:t>Mikroszolgáltatások</a:t>
+            </a:r>
+            <a:r>
               <a:rPr lang="hu-HU" dirty="0"/>
-              <a:t>Minta alkalmazás</a:t>
+              <a:t> hátrányai</a:t>
             </a:r>
             <a:endParaRPr lang="en-US" dirty="0"/>
           </a:p>
@@ -6369,55 +6848,33 @@
           <a:p>
             <a:r>
               <a:rPr lang="hu-HU" dirty="0"/>
-              <a:t>Könyvesbolt példa</a:t>
-            </a:r>
-          </a:p>
-          <a:p>
+              <a:t>Komplexitás nő (Elosztott rendszer, nehezen kezelhető egyben)</a:t>
+            </a:r>
+          </a:p>
+          <a:p>
+            <a:r>
+              <a:rPr lang="hu-HU" dirty="0" err="1"/>
+              <a:t>Azsinkron</a:t>
+            </a:r>
             <a:r>
               <a:rPr lang="hu-HU" dirty="0"/>
-              <a:t>Szolgáltatások:</a:t>
-            </a:r>
-          </a:p>
-          <a:p>
-            <a:pPr lvl="1"/>
+              <a:t> működés</a:t>
+            </a:r>
+          </a:p>
+          <a:p>
             <a:r>
               <a:rPr lang="hu-HU" dirty="0"/>
-              <a:t>Bejelentkezés</a:t>
-            </a:r>
-          </a:p>
-          <a:p>
-            <a:pPr lvl="1"/>
+              <a:t>Interfészek kötöttek</a:t>
+            </a:r>
+          </a:p>
+          <a:p>
             <a:r>
               <a:rPr lang="hu-HU" dirty="0"/>
-              <a:t>Böngészés</a:t>
-            </a:r>
-          </a:p>
-          <a:p>
-            <a:pPr lvl="1"/>
-            <a:r>
-              <a:rPr lang="hu-HU" dirty="0"/>
-              <a:t>Vásárlás</a:t>
-            </a:r>
-          </a:p>
-          <a:p>
-            <a:r>
-              <a:rPr lang="hu-HU" dirty="0"/>
-              <a:t>Erőforrás használat:</a:t>
-            </a:r>
-          </a:p>
-          <a:p>
-            <a:pPr lvl="1"/>
-            <a:r>
-              <a:rPr lang="hu-HU" dirty="0"/>
-              <a:t>Adatbázis</a:t>
-            </a:r>
-          </a:p>
-          <a:p>
-            <a:pPr lvl="1"/>
-            <a:r>
-              <a:rPr lang="hu-HU" dirty="0"/>
-              <a:t>Terhelés elosztó</a:t>
-            </a:r>
+              <a:t>Nehezen tesztelhető (egyben)</a:t>
+            </a:r>
+          </a:p>
+          <a:p>
+            <a:endParaRPr lang="hu-HU" dirty="0"/>
           </a:p>
           <a:p>
             <a:endParaRPr lang="hu-HU" dirty="0"/>
@@ -6451,7 +6908,7 @@
     </p:spTree>
     <p:extLst>
       <p:ext uri="{BB962C8B-B14F-4D97-AF65-F5344CB8AC3E}">
-        <p14:creationId xmlns:p14="http://schemas.microsoft.com/office/powerpoint/2010/main" val="2115549155"/>
+        <p14:creationId xmlns:p14="http://schemas.microsoft.com/office/powerpoint/2010/main" val="2834910173"/>
       </p:ext>
     </p:extLst>
   </p:cSld>
@@ -6516,6 +6973,59 @@
           <a:bodyPr/>
           <a:lstStyle/>
           <a:p>
+            <a:r>
+              <a:rPr lang="hu-HU" dirty="0"/>
+              <a:t>Könyvesbolt példa</a:t>
+            </a:r>
+          </a:p>
+          <a:p>
+            <a:r>
+              <a:rPr lang="hu-HU" dirty="0"/>
+              <a:t>Szolgáltatások:</a:t>
+            </a:r>
+          </a:p>
+          <a:p>
+            <a:pPr lvl="1"/>
+            <a:r>
+              <a:rPr lang="hu-HU" dirty="0"/>
+              <a:t>Bejelentkezés</a:t>
+            </a:r>
+          </a:p>
+          <a:p>
+            <a:pPr lvl="1"/>
+            <a:r>
+              <a:rPr lang="hu-HU" dirty="0"/>
+              <a:t>Böngészés</a:t>
+            </a:r>
+          </a:p>
+          <a:p>
+            <a:pPr lvl="1"/>
+            <a:r>
+              <a:rPr lang="hu-HU" dirty="0"/>
+              <a:t>Vásárlás</a:t>
+            </a:r>
+          </a:p>
+          <a:p>
+            <a:r>
+              <a:rPr lang="hu-HU" dirty="0"/>
+              <a:t>Erőforrás használat:</a:t>
+            </a:r>
+          </a:p>
+          <a:p>
+            <a:pPr lvl="1"/>
+            <a:r>
+              <a:rPr lang="hu-HU" dirty="0"/>
+              <a:t>Adatbázis</a:t>
+            </a:r>
+          </a:p>
+          <a:p>
+            <a:pPr lvl="1"/>
+            <a:r>
+              <a:rPr lang="hu-HU" dirty="0"/>
+              <a:t>Terhelés elosztó</a:t>
+            </a:r>
+          </a:p>
+          <a:p>
             <a:endParaRPr lang="hu-HU" dirty="0"/>
           </a:p>
         </p:txBody>
@@ -6539,6 +7049,102 @@
               <a:rPr lang="hu-HU" smtClean="0"/>
               <a:pPr/>
               <a:t>7</a:t>
+            </a:fld>
+            <a:endParaRPr lang="hu-HU" dirty="0"/>
+          </a:p>
+        </p:txBody>
+      </p:sp>
+    </p:spTree>
+    <p:extLst>
+      <p:ext uri="{BB962C8B-B14F-4D97-AF65-F5344CB8AC3E}">
+        <p14:creationId xmlns:p14="http://schemas.microsoft.com/office/powerpoint/2010/main" val="2115549155"/>
+      </p:ext>
+    </p:extLst>
+  </p:cSld>
+  <p:clrMapOvr>
+    <a:masterClrMapping/>
+  </p:clrMapOvr>
+</p:sld>
+</file>
+
+<file path=ppt/slides/slide8.xml><?xml version="1.0" encoding="utf-8"?>
+<p:sld xmlns:a="http://schemas.openxmlformats.org/drawingml/2006/main" xmlns:r="http://schemas.openxmlformats.org/officeDocument/2006/relationships" xmlns:p="http://schemas.openxmlformats.org/presentationml/2006/main">
+  <p:cSld>
+    <p:spTree>
+      <p:nvGrpSpPr>
+        <p:cNvPr id="1" name=""/>
+        <p:cNvGrpSpPr/>
+        <p:nvPr/>
+      </p:nvGrpSpPr>
+      <p:grpSpPr>
+        <a:xfrm>
+          <a:off x="0" y="0"/>
+          <a:ext cx="0" cy="0"/>
+          <a:chOff x="0" y="0"/>
+          <a:chExt cx="0" cy="0"/>
+        </a:xfrm>
+      </p:grpSpPr>
+      <p:sp>
+        <p:nvSpPr>
+          <p:cNvPr id="2" name="Cím 1"/>
+          <p:cNvSpPr>
+            <a:spLocks noGrp="1"/>
+          </p:cNvSpPr>
+          <p:nvPr>
+            <p:ph type="title"/>
+          </p:nvPr>
+        </p:nvSpPr>
+        <p:spPr/>
+        <p:txBody>
+          <a:bodyPr/>
+          <a:lstStyle/>
+          <a:p>
+            <a:r>
+              <a:rPr lang="hu-HU" dirty="0"/>
+              <a:t>Minta alkalmazás</a:t>
+            </a:r>
+            <a:endParaRPr lang="en-US" dirty="0"/>
+          </a:p>
+        </p:txBody>
+      </p:sp>
+      <p:sp>
+        <p:nvSpPr>
+          <p:cNvPr id="3" name="Tartalom helye 2"/>
+          <p:cNvSpPr>
+            <a:spLocks noGrp="1"/>
+          </p:cNvSpPr>
+          <p:nvPr>
+            <p:ph idx="1"/>
+          </p:nvPr>
+        </p:nvSpPr>
+        <p:spPr/>
+        <p:txBody>
+          <a:bodyPr/>
+          <a:lstStyle/>
+          <a:p>
+            <a:endParaRPr lang="hu-HU" dirty="0"/>
+          </a:p>
+        </p:txBody>
+      </p:sp>
+      <p:sp>
+        <p:nvSpPr>
+          <p:cNvPr id="4" name="Dia számának helye 3"/>
+          <p:cNvSpPr>
+            <a:spLocks noGrp="1"/>
+          </p:cNvSpPr>
+          <p:nvPr>
+            <p:ph type="sldNum" sz="quarter" idx="10"/>
+          </p:nvPr>
+        </p:nvSpPr>
+        <p:spPr/>
+        <p:txBody>
+          <a:bodyPr/>
+          <a:lstStyle/>
+          <a:p>
+            <a:fld id="{A7C85712-A09B-4560-9D1E-08050AA835BB}" type="slidenum">
+              <a:rPr lang="hu-HU" smtClean="0"/>
+              <a:pPr/>
+              <a:t>8</a:t>
             </a:fld>
             <a:endParaRPr lang="hu-HU" dirty="0"/>
           </a:p>
@@ -6581,211 +7187,6 @@
 </p:sld>
 </file>
 
-<file path=ppt/slides/slide8.xml><?xml version="1.0" encoding="utf-8"?>
-<p:sld xmlns:a="http://schemas.openxmlformats.org/drawingml/2006/main" xmlns:r="http://schemas.openxmlformats.org/officeDocument/2006/relationships" xmlns:p="http://schemas.openxmlformats.org/presentationml/2006/main">
-  <p:cSld>
-    <p:spTree>
-      <p:nvGrpSpPr>
-        <p:cNvPr id="1" name=""/>
-        <p:cNvGrpSpPr/>
-        <p:nvPr/>
-      </p:nvGrpSpPr>
-      <p:grpSpPr>
-        <a:xfrm>
-          <a:off x="0" y="0"/>
-          <a:ext cx="0" cy="0"/>
-          <a:chOff x="0" y="0"/>
-          <a:chExt cx="0" cy="0"/>
-        </a:xfrm>
-      </p:grpSpPr>
-      <p:sp>
-        <p:nvSpPr>
-          <p:cNvPr id="2" name="Cím 1"/>
-          <p:cNvSpPr>
-            <a:spLocks noGrp="1"/>
-          </p:cNvSpPr>
-          <p:nvPr>
-            <p:ph type="title"/>
-          </p:nvPr>
-        </p:nvSpPr>
-        <p:spPr/>
-        <p:txBody>
-          <a:bodyPr/>
-          <a:lstStyle/>
-          <a:p>
-            <a:r>
-              <a:rPr lang="hu-HU" dirty="0"/>
-              <a:t>Használt technológiák</a:t>
-            </a:r>
-            <a:endParaRPr lang="en-US" dirty="0"/>
-          </a:p>
-        </p:txBody>
-      </p:sp>
-      <p:sp>
-        <p:nvSpPr>
-          <p:cNvPr id="3" name="Tartalom helye 2"/>
-          <p:cNvSpPr>
-            <a:spLocks noGrp="1"/>
-          </p:cNvSpPr>
-          <p:nvPr>
-            <p:ph idx="1"/>
-          </p:nvPr>
-        </p:nvSpPr>
-        <p:spPr/>
-        <p:txBody>
-          <a:bodyPr/>
-          <a:lstStyle/>
-          <a:p>
-            <a:r>
-              <a:rPr lang="hu-HU" sz="2400" dirty="0" err="1"/>
-              <a:t>Docker</a:t>
-            </a:r>
-            <a:r>
-              <a:rPr lang="hu-HU" sz="2400" dirty="0"/>
-              <a:t> konténerek</a:t>
-            </a:r>
-          </a:p>
-          <a:p>
-            <a:pPr lvl="1"/>
-            <a:r>
-              <a:rPr lang="hu-HU" sz="2400" dirty="0"/>
-              <a:t>Egyszerű gyors, és könnyen konfigurálható</a:t>
-            </a:r>
-          </a:p>
-          <a:p>
-            <a:pPr lvl="1"/>
-            <a:r>
-              <a:rPr lang="hu-HU" sz="2400" dirty="0"/>
-              <a:t>Támogatja a </a:t>
-            </a:r>
-            <a:r>
-              <a:rPr lang="hu-HU" sz="2400" dirty="0" err="1"/>
-              <a:t>Mikroszolgáltatásokat</a:t>
-            </a:r>
-            <a:endParaRPr lang="hu-HU" sz="2400" dirty="0"/>
-          </a:p>
-          <a:p>
-            <a:r>
-              <a:rPr lang="hu-HU" sz="2400" dirty="0"/>
-              <a:t>Consul</a:t>
-            </a:r>
-          </a:p>
-          <a:p>
-            <a:pPr lvl="1"/>
-            <a:r>
-              <a:rPr lang="hu-HU" sz="2400" dirty="0"/>
-              <a:t>Szolgáltatások felismerése egymás között</a:t>
-            </a:r>
-          </a:p>
-          <a:p>
-            <a:pPr lvl="1"/>
-            <a:r>
-              <a:rPr lang="hu-HU" sz="2400" dirty="0"/>
-              <a:t>Service </a:t>
-            </a:r>
-            <a:r>
-              <a:rPr lang="hu-HU" sz="2400" dirty="0" err="1"/>
-              <a:t>Registry</a:t>
-            </a:r>
-            <a:endParaRPr lang="hu-HU" sz="2400" dirty="0"/>
-          </a:p>
-          <a:p>
-            <a:r>
-              <a:rPr lang="hu-HU" sz="2400" dirty="0" err="1"/>
-              <a:t>Jenkins</a:t>
-            </a:r>
-            <a:endParaRPr lang="hu-HU" sz="2400" dirty="0"/>
-          </a:p>
-          <a:p>
-            <a:pPr lvl="1"/>
-            <a:r>
-              <a:rPr lang="hu-HU" sz="2400" dirty="0" err="1"/>
-              <a:t>Continuous</a:t>
-            </a:r>
-            <a:r>
-              <a:rPr lang="hu-HU" sz="2400" dirty="0"/>
-              <a:t> </a:t>
-            </a:r>
-            <a:r>
-              <a:rPr lang="hu-HU" sz="2400" dirty="0" err="1"/>
-              <a:t>Integration</a:t>
-            </a:r>
-            <a:r>
-              <a:rPr lang="hu-HU" sz="2400" dirty="0"/>
-              <a:t> eszköz</a:t>
-            </a:r>
-          </a:p>
-          <a:p>
-            <a:pPr lvl="1"/>
-            <a:r>
-              <a:rPr lang="hu-HU" sz="2400" dirty="0"/>
-              <a:t>Bármit lehet vele automatizálni (Saját </a:t>
-            </a:r>
-            <a:r>
-              <a:rPr lang="hu-HU" sz="2400" dirty="0" err="1"/>
-              <a:t>szkriptjeim</a:t>
-            </a:r>
-            <a:r>
-              <a:rPr lang="hu-HU" sz="2400" dirty="0"/>
-              <a:t> futtatása)</a:t>
-            </a:r>
-          </a:p>
-          <a:p>
-            <a:r>
-              <a:rPr lang="hu-HU" sz="2400" dirty="0" err="1"/>
-              <a:t>Zookeeper</a:t>
-            </a:r>
-            <a:endParaRPr lang="hu-HU" sz="2400" dirty="0"/>
-          </a:p>
-          <a:p>
-            <a:pPr lvl="1"/>
-            <a:r>
-              <a:rPr lang="hu-HU" sz="2400" dirty="0"/>
-              <a:t>Következő lépés, gyakorlatban sokan használják erre a célra</a:t>
-            </a:r>
-          </a:p>
-          <a:p>
-            <a:endParaRPr lang="hu-HU" dirty="0"/>
-          </a:p>
-        </p:txBody>
-      </p:sp>
-      <p:sp>
-        <p:nvSpPr>
-          <p:cNvPr id="4" name="Dia számának helye 3"/>
-          <p:cNvSpPr>
-            <a:spLocks noGrp="1"/>
-          </p:cNvSpPr>
-          <p:nvPr>
-            <p:ph type="sldNum" sz="quarter" idx="10"/>
-          </p:nvPr>
-        </p:nvSpPr>
-        <p:spPr/>
-        <p:txBody>
-          <a:bodyPr/>
-          <a:lstStyle/>
-          <a:p>
-            <a:fld id="{A7C85712-A09B-4560-9D1E-08050AA835BB}" type="slidenum">
-              <a:rPr lang="hu-HU" smtClean="0"/>
-              <a:pPr/>
-              <a:t>8</a:t>
-            </a:fld>
-            <a:endParaRPr lang="hu-HU" dirty="0"/>
-          </a:p>
-        </p:txBody>
-      </p:sp>
-    </p:spTree>
-    <p:extLst>
-      <p:ext uri="{BB962C8B-B14F-4D97-AF65-F5344CB8AC3E}">
-        <p14:creationId xmlns:p14="http://schemas.microsoft.com/office/powerpoint/2010/main" val="3128922995"/>
-      </p:ext>
-    </p:extLst>
-  </p:cSld>
-  <p:clrMapOvr>
-    <a:masterClrMapping/>
-  </p:clrMapOvr>
-</p:sld>
-</file>
-
 <file path=ppt/slides/slide9.xml><?xml version="1.0" encoding="utf-8"?>
 <p:sld xmlns:a="http://schemas.openxmlformats.org/drawingml/2006/main" xmlns:r="http://schemas.openxmlformats.org/officeDocument/2006/relationships" xmlns:p="http://schemas.openxmlformats.org/presentationml/2006/main">
   <p:cSld>
@@ -6820,7 +7221,7 @@
           <a:p>
             <a:r>
               <a:rPr lang="hu-HU" dirty="0"/>
-              <a:t>Kitekintés</a:t>
+              <a:t>Használt technológiák</a:t>
             </a:r>
             <a:endParaRPr lang="en-US" dirty="0"/>
           </a:p>
@@ -6842,60 +7243,111 @@
           <a:lstStyle/>
           <a:p>
             <a:r>
-              <a:rPr lang="hu-HU" dirty="0"/>
-              <a:t>Cél: Egy valós </a:t>
-            </a:r>
-            <a:r>
-              <a:rPr lang="hu-HU" dirty="0" err="1"/>
-              <a:t>mikroszolgáltatásokra</a:t>
-            </a:r>
-            <a:r>
-              <a:rPr lang="hu-HU" dirty="0"/>
-              <a:t> épülő alkalmazás kiépítése</a:t>
+              <a:rPr lang="hu-HU" sz="2400" dirty="0" err="1"/>
+              <a:t>Docker</a:t>
+            </a:r>
+            <a:r>
+              <a:rPr lang="hu-HU" sz="2400" dirty="0"/>
+              <a:t> konténerek</a:t>
             </a:r>
           </a:p>
           <a:p>
             <a:pPr lvl="1"/>
             <a:r>
-              <a:rPr lang="hu-HU" dirty="0"/>
-              <a:t>Terhelés elosztással</a:t>
+              <a:rPr lang="hu-HU" sz="2400" dirty="0"/>
+              <a:t>Egyszerű gyors, és könnyen konfigurálható</a:t>
             </a:r>
           </a:p>
           <a:p>
             <a:pPr lvl="1"/>
             <a:r>
-              <a:rPr lang="hu-HU" dirty="0"/>
-              <a:t>Modul tesztekkel</a:t>
+              <a:rPr lang="hu-HU" sz="2400" dirty="0"/>
+              <a:t>Támogatja a </a:t>
+            </a:r>
+            <a:r>
+              <a:rPr lang="hu-HU" sz="2400" dirty="0" err="1"/>
+              <a:t>Mikroszolgáltatásokat</a:t>
+            </a:r>
+            <a:endParaRPr lang="hu-HU" sz="2400" dirty="0"/>
+          </a:p>
+          <a:p>
+            <a:r>
+              <a:rPr lang="hu-HU" sz="2400" dirty="0"/>
+              <a:t>Consul</a:t>
             </a:r>
           </a:p>
           <a:p>
             <a:pPr lvl="1"/>
             <a:r>
-              <a:rPr lang="hu-HU" dirty="0" err="1"/>
-              <a:t>Jenkins-ből</a:t>
-            </a:r>
-            <a:r>
-              <a:rPr lang="hu-HU" dirty="0"/>
-              <a:t> gyorsan telepítve</a:t>
-            </a:r>
-          </a:p>
-          <a:p>
-            <a:r>
-              <a:rPr lang="hu-HU" dirty="0"/>
-              <a:t>Modul tesztek készítése és futtatása</a:t>
-            </a:r>
-          </a:p>
-          <a:p>
-            <a:r>
-              <a:rPr lang="hu-HU" dirty="0"/>
-              <a:t>A fejlesztési folyamat bemutatása</a:t>
+              <a:rPr lang="hu-HU" sz="2400" dirty="0"/>
+              <a:t>Szolgáltatások felismerése egymás között</a:t>
             </a:r>
           </a:p>
           <a:p>
             <a:pPr lvl="1"/>
             <a:r>
-              <a:rPr lang="hu-HU" dirty="0"/>
-              <a:t>Valós fejlesztési folyamathoz hasonló</a:t>
+              <a:rPr lang="hu-HU" sz="2400" dirty="0"/>
+              <a:t>Service </a:t>
+            </a:r>
+            <a:r>
+              <a:rPr lang="hu-HU" sz="2400" dirty="0" err="1"/>
+              <a:t>Registry</a:t>
+            </a:r>
+            <a:endParaRPr lang="hu-HU" sz="2400" dirty="0"/>
+          </a:p>
+          <a:p>
+            <a:r>
+              <a:rPr lang="hu-HU" sz="2400" dirty="0" err="1"/>
+              <a:t>Jenkins</a:t>
+            </a:r>
+            <a:endParaRPr lang="hu-HU" sz="2400" dirty="0"/>
+          </a:p>
+          <a:p>
+            <a:pPr lvl="1"/>
+            <a:r>
+              <a:rPr lang="hu-HU" sz="2400" dirty="0" err="1"/>
+              <a:t>Continuous</a:t>
+            </a:r>
+            <a:r>
+              <a:rPr lang="hu-HU" sz="2400" dirty="0"/>
+              <a:t> </a:t>
+            </a:r>
+            <a:r>
+              <a:rPr lang="hu-HU" sz="2400" dirty="0" err="1"/>
+              <a:t>Integration</a:t>
+            </a:r>
+            <a:r>
+              <a:rPr lang="hu-HU" sz="2400" dirty="0"/>
+              <a:t> eszköz</a:t>
+            </a:r>
+          </a:p>
+          <a:p>
+            <a:pPr lvl="1"/>
+            <a:r>
+              <a:rPr lang="hu-HU" sz="2400" dirty="0"/>
+              <a:t>Bármit lehet vele automatizálni (Saját </a:t>
+            </a:r>
+            <a:r>
+              <a:rPr lang="hu-HU" sz="2400" dirty="0" err="1"/>
+              <a:t>szkriptjeim</a:t>
+            </a:r>
+            <a:r>
+              <a:rPr lang="hu-HU" sz="2400" dirty="0"/>
+              <a:t> futtatása)</a:t>
+            </a:r>
+          </a:p>
+          <a:p>
+            <a:r>
+              <a:rPr lang="hu-HU" sz="2400" dirty="0" err="1"/>
+              <a:t>Zookeeper</a:t>
+            </a:r>
+            <a:endParaRPr lang="hu-HU" sz="2400" dirty="0"/>
+          </a:p>
+          <a:p>
+            <a:pPr lvl="1"/>
+            <a:r>
+              <a:rPr lang="hu-HU" sz="2400" dirty="0"/>
+              <a:t>Következő lépés, gyakorlatban sokan használják erre a célra</a:t>
             </a:r>
           </a:p>
           <a:p>
@@ -6930,7 +7382,7 @@
     </p:spTree>
     <p:extLst>
       <p:ext uri="{BB962C8B-B14F-4D97-AF65-F5344CB8AC3E}">
-        <p14:creationId xmlns:p14="http://schemas.microsoft.com/office/powerpoint/2010/main" val="667021315"/>
+        <p14:creationId xmlns:p14="http://schemas.microsoft.com/office/powerpoint/2010/main" val="3128922995"/>
       </p:ext>
     </p:extLst>
   </p:cSld>
@@ -8429,7 +8881,7 @@
   <a:extraClrSchemeLst/>
   <a:extLst>
     <a:ext uri="{05A4C25C-085E-4340-85A3-A5531E510DB2}">
-      <thm15:themeFamily xmlns:thm15="http://schemas.microsoft.com/office/thememl/2012/main" name="Office Theme" id="{62F939B6-93AF-4DB8-9C6B-D6C7DFDC589F}" vid="{4A3C46E8-61CC-4603-A589-7422A47A8E4A}"/>
+      <thm15:themeFamily xmlns:thm15="http://schemas.microsoft.com/office/thememl/2012/main" xmlns="" name="Office Theme" id="{62F939B6-93AF-4DB8-9C6B-D6C7DFDC589F}" vid="{4A3C46E8-61CC-4603-A589-7422A47A8E4A}"/>
     </a:ext>
   </a:extLst>
 </a:theme>

--- a/microservice.pptx
+++ b/microservice.pptx
@@ -142,7 +142,7 @@
       </p14:sectionLst>
     </p:ext>
     <p:ext uri="{EFAFB233-063F-42B5-8137-9DF3F51BA10A}">
-      <p15:sldGuideLst xmlns:p15="http://schemas.microsoft.com/office/powerpoint/2012/main" xmlns="">
+      <p15:sldGuideLst xmlns:p15="http://schemas.microsoft.com/office/powerpoint/2012/main">
         <p15:guide id="1" orient="horz" pos="2136" userDrawn="1">
           <p15:clr>
             <a:srgbClr val="A4A3A4"/>
@@ -156,7 +156,18 @@
       </p15:sldGuideLst>
     </p:ext>
     <p:ext uri="{2D200454-40CA-4A62-9FC3-DE9A4176ACB9}">
-      <p15:notesGuideLst xmlns:p15="http://schemas.microsoft.com/office/powerpoint/2012/main" xmlns=""/>
+      <p15:notesGuideLst xmlns:p15="http://schemas.microsoft.com/office/powerpoint/2012/main">
+        <p15:guide id="1" orient="horz" pos="2880">
+          <p15:clr>
+            <a:srgbClr val="A4A3A4"/>
+          </p15:clr>
+        </p15:guide>
+        <p15:guide id="2" pos="2160">
+          <p15:clr>
+            <a:srgbClr val="A4A3A4"/>
+          </p15:clr>
+        </p15:guide>
+      </p15:notesGuideLst>
     </p:ext>
   </p:extLst>
 </p:presentation>
@@ -244,7 +255,7 @@
           <a:p>
             <a:fld id="{D320DF98-73A7-40A6-8A84-2EB5B4F2C4CC}" type="datetimeFigureOut">
               <a:rPr lang="hu-HU" smtClean="0"/>
-              <a:t>2016.05.16.</a:t>
+              <a:t>2016. 05. 15.</a:t>
             </a:fld>
             <a:endParaRPr lang="hu-HU"/>
           </a:p>
@@ -410,7 +421,7 @@
             <a:fld id="{B9130191-0BE1-0142-AFC1-0297AE024A0E}" type="datetimeFigureOut">
               <a:rPr lang="en-US" smtClean="0"/>
               <a:pPr/>
-              <a:t>5/16/2016</a:t>
+              <a:t>5/15/2016</a:t>
             </a:fld>
             <a:endParaRPr lang="en-US"/>
           </a:p>
@@ -965,16 +976,6 @@
               </a:rPr>
               <a:t>Budapest University of Technology and Economics</a:t>
             </a:r>
-            <a:r>
-              <a:rPr lang="hu-HU" sz="1000" b="1" dirty="0">
-                <a:solidFill>
-                  <a:schemeClr val="bg1"/>
-                </a:solidFill>
-                <a:latin typeface="+mn-lt"/>
-                <a:cs typeface="+mn-cs"/>
-              </a:rPr>
-              <a:t/>
-            </a:r>
             <a:br>
               <a:rPr lang="hu-HU" sz="1000" b="1" dirty="0">
                 <a:solidFill>
@@ -1319,13 +1320,6 @@
               </a:rPr>
               <a:t>Economics</a:t>
             </a:r>
-            <a:r>
-              <a:rPr lang="hu-HU" sz="2400" b="1" dirty="0">
-                <a:latin typeface="+mn-lt"/>
-                <a:cs typeface="+mn-cs"/>
-              </a:rPr>
-              <a:t/>
-            </a:r>
             <a:br>
               <a:rPr lang="hu-HU" sz="2400" b="1" dirty="0">
                 <a:latin typeface="+mn-lt"/>
@@ -3118,13 +3112,6 @@
               </a:rPr>
               <a:t>Economics</a:t>
             </a:r>
-            <a:r>
-              <a:rPr lang="hu-HU" sz="2400" b="1" dirty="0">
-                <a:latin typeface="+mn-lt"/>
-                <a:cs typeface="+mn-cs"/>
-              </a:rPr>
-              <a:t/>
-            </a:r>
             <a:br>
               <a:rPr lang="hu-HU" sz="2400" b="1" dirty="0">
                 <a:latin typeface="+mn-lt"/>
@@ -3378,16 +3365,6 @@
                 <a:cs typeface="+mn-cs"/>
               </a:rPr>
               <a:t>Budapest University of Technology and Economics</a:t>
-            </a:r>
-            <a:r>
-              <a:rPr lang="hu-HU" sz="1000" b="1" dirty="0">
-                <a:solidFill>
-                  <a:schemeClr val="tx1"/>
-                </a:solidFill>
-                <a:latin typeface="+mn-lt"/>
-                <a:cs typeface="+mn-cs"/>
-              </a:rPr>
-              <a:t/>
             </a:r>
             <a:br>
               <a:rPr lang="hu-HU" sz="1000" b="1" dirty="0">
@@ -6011,15 +5988,15 @@
           <a:lstStyle/>
           <a:p>
             <a:r>
-              <a:rPr lang="en-US" dirty="0" err="1" smtClean="0"/>
+              <a:rPr lang="en-US" dirty="0" err="1"/>
               <a:t>Diplomaterv</a:t>
             </a:r>
             <a:r>
-              <a:rPr lang="en-US" dirty="0" smtClean="0"/>
+              <a:rPr lang="en-US" dirty="0"/>
               <a:t> </a:t>
             </a:r>
             <a:r>
-              <a:rPr lang="en-US" dirty="0" err="1" smtClean="0"/>
+              <a:rPr lang="en-US" dirty="0" err="1"/>
               <a:t>céljai</a:t>
             </a:r>
             <a:endParaRPr lang="en-US" dirty="0"/>
@@ -6042,230 +6019,230 @@
           <a:lstStyle/>
           <a:p>
             <a:r>
-              <a:rPr lang="en-US" sz="2800" dirty="0" err="1" smtClean="0"/>
+              <a:rPr lang="en-US" sz="2800" dirty="0" err="1"/>
               <a:t>Mikroszolgáltatások</a:t>
             </a:r>
             <a:r>
-              <a:rPr lang="en-US" sz="2800" dirty="0" smtClean="0"/>
+              <a:rPr lang="en-US" sz="2800" dirty="0"/>
               <a:t> </a:t>
             </a:r>
             <a:r>
-              <a:rPr lang="en-US" sz="2800" dirty="0" err="1" smtClean="0"/>
+              <a:rPr lang="en-US" sz="2800" dirty="0" err="1"/>
               <a:t>architektúra</a:t>
             </a:r>
             <a:r>
-              <a:rPr lang="en-US" sz="2800" dirty="0" smtClean="0"/>
+              <a:rPr lang="en-US" sz="2800" dirty="0"/>
               <a:t> </a:t>
             </a:r>
             <a:r>
-              <a:rPr lang="en-US" sz="2800" dirty="0" err="1" smtClean="0"/>
+              <a:rPr lang="en-US" sz="2800" dirty="0" err="1"/>
               <a:t>megismerése</a:t>
             </a:r>
             <a:r>
-              <a:rPr lang="en-US" sz="2800" dirty="0" smtClean="0"/>
+              <a:rPr lang="en-US" sz="2800" dirty="0"/>
               <a:t>/</a:t>
             </a:r>
             <a:r>
-              <a:rPr lang="en-US" sz="2800" dirty="0" err="1" smtClean="0"/>
+              <a:rPr lang="en-US" sz="2800" dirty="0" err="1"/>
               <a:t>bemutatása</a:t>
             </a:r>
-            <a:endParaRPr lang="en-US" sz="2800" dirty="0" smtClean="0"/>
-          </a:p>
-          <a:p>
-            <a:r>
-              <a:rPr lang="en-US" sz="2800" dirty="0" err="1" smtClean="0"/>
+            <a:endParaRPr lang="en-US" sz="2800" dirty="0"/>
+          </a:p>
+          <a:p>
+            <a:r>
+              <a:rPr lang="en-US" sz="2800" dirty="0" err="1"/>
               <a:t>Architektúra</a:t>
             </a:r>
             <a:r>
-              <a:rPr lang="en-US" sz="2800" dirty="0" smtClean="0"/>
+              <a:rPr lang="en-US" sz="2800" dirty="0"/>
               <a:t> </a:t>
             </a:r>
             <a:r>
-              <a:rPr lang="en-US" sz="2800" dirty="0" err="1" smtClean="0"/>
+              <a:rPr lang="en-US" sz="2800" dirty="0" err="1"/>
               <a:t>előnyeinek</a:t>
             </a:r>
             <a:r>
-              <a:rPr lang="en-US" sz="2800" dirty="0" smtClean="0"/>
+              <a:rPr lang="en-US" sz="2800" dirty="0"/>
               <a:t> </a:t>
             </a:r>
             <a:r>
-              <a:rPr lang="en-US" sz="2800" dirty="0" err="1" smtClean="0"/>
+              <a:rPr lang="en-US" sz="2800" dirty="0" err="1"/>
               <a:t>és</a:t>
             </a:r>
             <a:r>
-              <a:rPr lang="en-US" sz="2800" dirty="0" smtClean="0"/>
+              <a:rPr lang="en-US" sz="2800" dirty="0"/>
               <a:t> </a:t>
             </a:r>
             <a:r>
-              <a:rPr lang="en-US" sz="2800" dirty="0" err="1" smtClean="0"/>
+              <a:rPr lang="en-US" sz="2800" dirty="0" err="1"/>
               <a:t>hátrányainak</a:t>
             </a:r>
             <a:r>
-              <a:rPr lang="en-US" sz="2800" dirty="0" smtClean="0"/>
+              <a:rPr lang="en-US" sz="2800" dirty="0"/>
               <a:t> </a:t>
             </a:r>
             <a:r>
-              <a:rPr lang="en-US" sz="2800" dirty="0" err="1" smtClean="0"/>
+              <a:rPr lang="en-US" sz="2800" dirty="0" err="1"/>
               <a:t>az</a:t>
             </a:r>
             <a:r>
-              <a:rPr lang="en-US" sz="2800" dirty="0" smtClean="0"/>
+              <a:rPr lang="en-US" sz="2800" dirty="0"/>
               <a:t> </a:t>
             </a:r>
             <a:r>
-              <a:rPr lang="en-US" sz="2800" dirty="0" err="1" smtClean="0"/>
+              <a:rPr lang="en-US" sz="2800" dirty="0" err="1"/>
               <a:t>elemzése</a:t>
             </a:r>
-            <a:endParaRPr lang="en-US" sz="2800" dirty="0" smtClean="0"/>
-          </a:p>
-          <a:p>
-            <a:r>
-              <a:rPr lang="en-US" sz="2800" dirty="0" err="1" smtClean="0"/>
+            <a:endParaRPr lang="en-US" sz="2800" dirty="0"/>
+          </a:p>
+          <a:p>
+            <a:r>
+              <a:rPr lang="en-US" sz="2800" dirty="0" err="1"/>
               <a:t>Szokásos</a:t>
             </a:r>
             <a:r>
-              <a:rPr lang="en-US" sz="2800" dirty="0" smtClean="0"/>
+              <a:rPr lang="en-US" sz="2800" dirty="0"/>
               <a:t> </a:t>
             </a:r>
             <a:r>
-              <a:rPr lang="en-US" sz="2800" dirty="0" err="1" smtClean="0"/>
+              <a:rPr lang="en-US" sz="2800" dirty="0" err="1"/>
               <a:t>technol</a:t>
             </a:r>
             <a:r>
-              <a:rPr lang="hu-HU" sz="2800" dirty="0" smtClean="0"/>
+              <a:rPr lang="hu-HU" sz="2800" dirty="0"/>
               <a:t>ó</a:t>
             </a:r>
             <a:r>
-              <a:rPr lang="en-US" sz="2800" dirty="0" err="1" smtClean="0"/>
+              <a:rPr lang="en-US" sz="2800" dirty="0" err="1"/>
               <a:t>giák</a:t>
             </a:r>
             <a:r>
-              <a:rPr lang="en-US" sz="2800" dirty="0" smtClean="0"/>
+              <a:rPr lang="en-US" sz="2800" dirty="0"/>
               <a:t> </a:t>
             </a:r>
             <a:r>
-              <a:rPr lang="en-US" sz="2800" dirty="0" err="1" smtClean="0"/>
+              <a:rPr lang="en-US" sz="2800" dirty="0" err="1"/>
               <a:t>bemutatása</a:t>
             </a:r>
-            <a:endParaRPr lang="en-US" sz="2800" dirty="0" smtClean="0"/>
-          </a:p>
-          <a:p>
-            <a:r>
-              <a:rPr lang="en-US" sz="2800" dirty="0" err="1" smtClean="0"/>
+            <a:endParaRPr lang="en-US" sz="2800" dirty="0"/>
+          </a:p>
+          <a:p>
+            <a:r>
+              <a:rPr lang="en-US" sz="2800" dirty="0" err="1"/>
               <a:t>Folytonos</a:t>
             </a:r>
             <a:r>
-              <a:rPr lang="en-US" sz="2800" dirty="0" smtClean="0"/>
+              <a:rPr lang="en-US" sz="2800" dirty="0"/>
               <a:t> </a:t>
             </a:r>
             <a:r>
-              <a:rPr lang="en-US" sz="2800" dirty="0" err="1" smtClean="0"/>
+              <a:rPr lang="en-US" sz="2800" dirty="0" err="1"/>
               <a:t>integráci</a:t>
             </a:r>
             <a:r>
-              <a:rPr lang="hu-HU" sz="2800" dirty="0" smtClean="0"/>
+              <a:rPr lang="hu-HU" sz="2800" dirty="0"/>
               <a:t>ó</a:t>
             </a:r>
             <a:r>
-              <a:rPr lang="en-US" sz="2800" dirty="0" smtClean="0"/>
+              <a:rPr lang="en-US" sz="2800" dirty="0"/>
               <a:t> </a:t>
             </a:r>
             <a:r>
-              <a:rPr lang="en-US" sz="2800" dirty="0" err="1" smtClean="0"/>
+              <a:rPr lang="en-US" sz="2800" dirty="0" err="1"/>
               <a:t>felhasználásával</a:t>
             </a:r>
             <a:r>
-              <a:rPr lang="en-US" sz="2800" dirty="0" smtClean="0"/>
+              <a:rPr lang="en-US" sz="2800" dirty="0"/>
               <a:t> </a:t>
             </a:r>
             <a:r>
-              <a:rPr lang="en-US" sz="2800" dirty="0" err="1" smtClean="0"/>
+              <a:rPr lang="en-US" sz="2800" dirty="0" err="1"/>
               <a:t>automatikus</a:t>
             </a:r>
             <a:r>
-              <a:rPr lang="en-US" sz="2800" dirty="0" smtClean="0"/>
+              <a:rPr lang="en-US" sz="2800" dirty="0"/>
               <a:t> </a:t>
             </a:r>
             <a:r>
-              <a:rPr lang="en-US" sz="2800" dirty="0" err="1" smtClean="0"/>
+              <a:rPr lang="en-US" sz="2800" dirty="0" err="1"/>
               <a:t>telepitéshez</a:t>
             </a:r>
             <a:r>
-              <a:rPr lang="en-US" sz="2800" dirty="0" smtClean="0"/>
+              <a:rPr lang="en-US" sz="2800" dirty="0"/>
               <a:t> </a:t>
             </a:r>
             <a:r>
-              <a:rPr lang="en-US" sz="2800" dirty="0" err="1" smtClean="0"/>
+              <a:rPr lang="en-US" sz="2800" dirty="0" err="1"/>
               <a:t>keretrendszer</a:t>
             </a:r>
             <a:r>
-              <a:rPr lang="en-US" sz="2800" dirty="0" smtClean="0"/>
+              <a:rPr lang="en-US" sz="2800" dirty="0"/>
               <a:t> </a:t>
             </a:r>
             <a:r>
-              <a:rPr lang="en-US" sz="2800" dirty="0" err="1" smtClean="0"/>
+              <a:rPr lang="en-US" sz="2800" dirty="0" err="1"/>
               <a:t>tervezése</a:t>
             </a:r>
-            <a:endParaRPr lang="en-US" sz="2800" dirty="0" smtClean="0"/>
-          </a:p>
-          <a:p>
-            <a:r>
-              <a:rPr lang="en-US" sz="2800" dirty="0" err="1" smtClean="0"/>
+            <a:endParaRPr lang="en-US" sz="2800" dirty="0"/>
+          </a:p>
+          <a:p>
+            <a:r>
+              <a:rPr lang="en-US" sz="2800" dirty="0" err="1"/>
               <a:t>Megtervezett</a:t>
             </a:r>
             <a:r>
-              <a:rPr lang="en-US" sz="2800" dirty="0" smtClean="0"/>
+              <a:rPr lang="en-US" sz="2800" dirty="0"/>
               <a:t> </a:t>
             </a:r>
             <a:r>
-              <a:rPr lang="en-US" sz="2800" dirty="0" err="1" smtClean="0"/>
+              <a:rPr lang="en-US" sz="2800" dirty="0" err="1"/>
               <a:t>keretrendszer</a:t>
             </a:r>
             <a:r>
-              <a:rPr lang="en-US" sz="2800" dirty="0" smtClean="0"/>
+              <a:rPr lang="en-US" sz="2800" dirty="0"/>
               <a:t> </a:t>
             </a:r>
             <a:r>
-              <a:rPr lang="en-US" sz="2800" dirty="0" err="1" smtClean="0"/>
+              <a:rPr lang="en-US" sz="2800" dirty="0" err="1"/>
               <a:t>elkészitése</a:t>
             </a:r>
-            <a:endParaRPr lang="en-US" sz="2800" dirty="0" smtClean="0"/>
-          </a:p>
-          <a:p>
-            <a:r>
-              <a:rPr lang="en-US" sz="2800" dirty="0" err="1" smtClean="0"/>
+            <a:endParaRPr lang="en-US" sz="2800" dirty="0"/>
+          </a:p>
+          <a:p>
+            <a:r>
+              <a:rPr lang="en-US" sz="2800" dirty="0" err="1"/>
               <a:t>Elkészitett</a:t>
             </a:r>
             <a:r>
-              <a:rPr lang="en-US" sz="2800" dirty="0" smtClean="0"/>
+              <a:rPr lang="en-US" sz="2800" dirty="0"/>
               <a:t> </a:t>
             </a:r>
             <a:r>
-              <a:rPr lang="en-US" sz="2800" dirty="0" err="1" smtClean="0"/>
+              <a:rPr lang="en-US" sz="2800" dirty="0" err="1"/>
               <a:t>keretrendszer</a:t>
             </a:r>
             <a:r>
-              <a:rPr lang="en-US" sz="2800" dirty="0" smtClean="0"/>
+              <a:rPr lang="en-US" sz="2800" dirty="0"/>
               <a:t> </a:t>
             </a:r>
             <a:r>
-              <a:rPr lang="en-US" sz="2800" dirty="0" err="1" smtClean="0"/>
+              <a:rPr lang="en-US" sz="2800" dirty="0" err="1"/>
               <a:t>kielemzése</a:t>
             </a:r>
             <a:r>
-              <a:rPr lang="en-US" sz="2800" dirty="0" smtClean="0"/>
+              <a:rPr lang="en-US" sz="2800" dirty="0"/>
               <a:t> (</a:t>
             </a:r>
             <a:r>
-              <a:rPr lang="en-US" sz="2800" dirty="0" err="1" smtClean="0"/>
+              <a:rPr lang="en-US" sz="2800" dirty="0" err="1"/>
               <a:t>előnyei</a:t>
             </a:r>
             <a:r>
-              <a:rPr lang="en-US" sz="2800" dirty="0" smtClean="0"/>
+              <a:rPr lang="en-US" sz="2800" dirty="0"/>
               <a:t> </a:t>
             </a:r>
             <a:r>
-              <a:rPr lang="en-US" sz="2800" smtClean="0"/>
+              <a:rPr lang="en-US" sz="2800"/>
               <a:t>hátránya)</a:t>
             </a:r>
             <a:endParaRPr lang="hu-HU" sz="2800" dirty="0"/>
@@ -6393,7 +6370,7 @@
             <a:pPr lvl="1"/>
             <a:r>
               <a:rPr lang="hu-HU" dirty="0"/>
-              <a:t>Más ipari implementációk tanulmányozása</a:t>
+              <a:t>Más nyílt forrású implementációk tanulmányozása</a:t>
             </a:r>
           </a:p>
           <a:p>
@@ -6721,7 +6698,7 @@
           <a:p>
             <a:r>
               <a:rPr lang="hu-HU" dirty="0"/>
-              <a:t>Könnyen fejleszthető csapatban</a:t>
+              <a:t>Könnyen fejleszthető csapatokban</a:t>
             </a:r>
           </a:p>
           <a:p>
@@ -6853,12 +6830,8 @@
           </a:p>
           <a:p>
             <a:r>
-              <a:rPr lang="hu-HU" dirty="0" err="1"/>
-              <a:t>Azsinkron</a:t>
-            </a:r>
-            <a:r>
               <a:rPr lang="hu-HU" dirty="0"/>
-              <a:t> működés</a:t>
+              <a:t>Aszinkron működés</a:t>
             </a:r>
           </a:p>
           <a:p>
@@ -7107,56 +7080,15 @@
           </a:p>
         </p:txBody>
       </p:sp>
-      <p:sp>
-        <p:nvSpPr>
-          <p:cNvPr id="3" name="Tartalom helye 2"/>
-          <p:cNvSpPr>
-            <a:spLocks noGrp="1"/>
-          </p:cNvSpPr>
+      <p:pic>
+        <p:nvPicPr>
+          <p:cNvPr id="6" name="Tartalom helye 5"/>
+          <p:cNvPicPr>
+            <a:picLocks noGrp="1" noChangeAspect="1"/>
+          </p:cNvPicPr>
           <p:nvPr>
             <p:ph idx="1"/>
           </p:nvPr>
-        </p:nvSpPr>
-        <p:spPr/>
-        <p:txBody>
-          <a:bodyPr/>
-          <a:lstStyle/>
-          <a:p>
-            <a:endParaRPr lang="hu-HU" dirty="0"/>
-          </a:p>
-        </p:txBody>
-      </p:sp>
-      <p:sp>
-        <p:nvSpPr>
-          <p:cNvPr id="4" name="Dia számának helye 3"/>
-          <p:cNvSpPr>
-            <a:spLocks noGrp="1"/>
-          </p:cNvSpPr>
-          <p:nvPr>
-            <p:ph type="sldNum" sz="quarter" idx="10"/>
-          </p:nvPr>
-        </p:nvSpPr>
-        <p:spPr/>
-        <p:txBody>
-          <a:bodyPr/>
-          <a:lstStyle/>
-          <a:p>
-            <a:fld id="{A7C85712-A09B-4560-9D1E-08050AA835BB}" type="slidenum">
-              <a:rPr lang="hu-HU" smtClean="0"/>
-              <a:pPr/>
-              <a:t>8</a:t>
-            </a:fld>
-            <a:endParaRPr lang="hu-HU" dirty="0"/>
-          </a:p>
-        </p:txBody>
-      </p:sp>
-      <p:pic>
-        <p:nvPicPr>
-          <p:cNvPr id="5" name="Kép 4"/>
-          <p:cNvPicPr>
-            <a:picLocks noChangeAspect="1"/>
-          </p:cNvPicPr>
-          <p:nvPr/>
         </p:nvPicPr>
         <p:blipFill>
           <a:blip r:embed="rId2"/>
@@ -7166,14 +7098,35 @@
         </p:blipFill>
         <p:spPr>
           <a:xfrm>
-            <a:off x="0" y="1476375"/>
-            <a:ext cx="9144000" cy="3905250"/>
+            <a:off x="-48026" y="1045029"/>
+            <a:ext cx="9192026" cy="4999511"/>
           </a:xfrm>
-          <a:prstGeom prst="rect">
-            <a:avLst/>
-          </a:prstGeom>
         </p:spPr>
       </p:pic>
+      <p:sp>
+        <p:nvSpPr>
+          <p:cNvPr id="4" name="Dia számának helye 3"/>
+          <p:cNvSpPr>
+            <a:spLocks noGrp="1"/>
+          </p:cNvSpPr>
+          <p:nvPr>
+            <p:ph type="sldNum" sz="quarter" idx="10"/>
+          </p:nvPr>
+        </p:nvSpPr>
+        <p:spPr/>
+        <p:txBody>
+          <a:bodyPr/>
+          <a:lstStyle/>
+          <a:p>
+            <a:fld id="{A7C85712-A09B-4560-9D1E-08050AA835BB}" type="slidenum">
+              <a:rPr lang="hu-HU" smtClean="0"/>
+              <a:pPr/>
+              <a:t>8</a:t>
+            </a:fld>
+            <a:endParaRPr lang="hu-HU" dirty="0"/>
+          </a:p>
+        </p:txBody>
+      </p:sp>
     </p:spTree>
     <p:extLst>
       <p:ext uri="{BB962C8B-B14F-4D97-AF65-F5344CB8AC3E}">
@@ -8881,7 +8834,7 @@
   <a:extraClrSchemeLst/>
   <a:extLst>
     <a:ext uri="{05A4C25C-085E-4340-85A3-A5531E510DB2}">
-      <thm15:themeFamily xmlns:thm15="http://schemas.microsoft.com/office/thememl/2012/main" xmlns="" name="Office Theme" id="{62F939B6-93AF-4DB8-9C6B-D6C7DFDC589F}" vid="{4A3C46E8-61CC-4603-A589-7422A47A8E4A}"/>
+      <thm15:themeFamily xmlns:thm15="http://schemas.microsoft.com/office/thememl/2012/main" name="Office Theme" id="{62F939B6-93AF-4DB8-9C6B-D6C7DFDC589F}" vid="{4A3C46E8-61CC-4603-A589-7422A47A8E4A}"/>
     </a:ext>
   </a:extLst>
 </a:theme>
